--- a/design.pptx
+++ b/design.pptx
@@ -113,14 +113,6 @@
 </p:presentation>
 </file>
 
-<file path=ppt/revisionInfo.xml><?xml version="1.0" encoding="utf-8"?>
-<p1510:revInfo xmlns:a="http://schemas.openxmlformats.org/drawingml/2006/main" xmlns:r="http://schemas.openxmlformats.org/officeDocument/2006/relationships" xmlns:p1510="http://schemas.microsoft.com/office/powerpoint/2015/10/main">
-  <p1510:revLst>
-    <p1510:client id="{8FE0068D-03CB-4087-8DE3-4F974A9297DD}" v="45" dt="2022-09-22T03:10:20.116"/>
-  </p1510:revLst>
-</p1510:revInfo>
-</file>
-
 <file path=ppt/changesInfos/changesInfo1.xml><?xml version="1.0" encoding="utf-8"?>
 <pc:chgInfo xmlns:a="http://schemas.openxmlformats.org/drawingml/2006/main" xmlns:r="http://schemas.openxmlformats.org/officeDocument/2006/relationships" xmlns:ac="http://schemas.microsoft.com/office/drawing/2013/main/command" xmlns:pc="http://schemas.microsoft.com/office/powerpoint/2013/main/command">
   <pc:docChgLst>
@@ -1533,6 +1525,38 @@
             <pc:docMk/>
             <pc:sldMk cId="2769116104" sldId="257"/>
             <ac:cxnSpMk id="151" creationId="{7EE5906D-38EC-8D68-019E-6F1F77FEB0A0}"/>
+          </ac:cxnSpMkLst>
+        </pc:cxnChg>
+      </pc:sldChg>
+    </pc:docChg>
+  </pc:docChgLst>
+  <pc:docChgLst>
+    <pc:chgData name="LKG-laptop" userId="4d0fadd8-18c4-409d-a752-ea48dedb7f82" providerId="ADAL" clId="{D530FFEF-2292-485D-88DF-46EF280C500A}"/>
+    <pc:docChg chg="undo custSel modSld">
+      <pc:chgData name="LKG-laptop" userId="4d0fadd8-18c4-409d-a752-ea48dedb7f82" providerId="ADAL" clId="{D530FFEF-2292-485D-88DF-46EF280C500A}" dt="2023-03-13T07:37:49.675" v="2" actId="11529"/>
+      <pc:docMkLst>
+        <pc:docMk/>
+      </pc:docMkLst>
+      <pc:sldChg chg="addSp delSp modSp mod">
+        <pc:chgData name="LKG-laptop" userId="4d0fadd8-18c4-409d-a752-ea48dedb7f82" providerId="ADAL" clId="{D530FFEF-2292-485D-88DF-46EF280C500A}" dt="2023-03-13T07:37:49.675" v="2" actId="11529"/>
+        <pc:sldMkLst>
+          <pc:docMk/>
+          <pc:sldMk cId="2769116104" sldId="257"/>
+        </pc:sldMkLst>
+        <pc:cxnChg chg="add del mod">
+          <ac:chgData name="LKG-laptop" userId="4d0fadd8-18c4-409d-a752-ea48dedb7f82" providerId="ADAL" clId="{D530FFEF-2292-485D-88DF-46EF280C500A}" dt="2023-03-13T07:37:42.502" v="1" actId="11529"/>
+          <ac:cxnSpMkLst>
+            <pc:docMk/>
+            <pc:sldMk cId="2769116104" sldId="257"/>
+            <ac:cxnSpMk id="4" creationId="{EE71AF42-BE52-2840-AF56-7507FB8B761B}"/>
+          </ac:cxnSpMkLst>
+        </pc:cxnChg>
+        <pc:cxnChg chg="add">
+          <ac:chgData name="LKG-laptop" userId="4d0fadd8-18c4-409d-a752-ea48dedb7f82" providerId="ADAL" clId="{D530FFEF-2292-485D-88DF-46EF280C500A}" dt="2023-03-13T07:37:49.675" v="2" actId="11529"/>
+          <ac:cxnSpMkLst>
+            <pc:docMk/>
+            <pc:sldMk cId="2769116104" sldId="257"/>
+            <ac:cxnSpMk id="6" creationId="{8548A228-8DC9-62EC-11EE-4CD1E3342AAA}"/>
           </ac:cxnSpMkLst>
         </pc:cxnChg>
       </pc:sldChg>
@@ -1688,7 +1712,7 @@
           <a:p>
             <a:fld id="{8EF70FED-C9BA-4950-B4EA-3907F5FAD0FB}" type="datetimeFigureOut">
               <a:rPr lang="zh-CN" altLang="en-US" smtClean="0"/>
-              <a:t>2022/9/22</a:t>
+              <a:t>2023/3/13</a:t>
             </a:fld>
             <a:endParaRPr lang="zh-CN" altLang="en-US"/>
           </a:p>
@@ -1886,7 +1910,7 @@
           <a:p>
             <a:fld id="{8EF70FED-C9BA-4950-B4EA-3907F5FAD0FB}" type="datetimeFigureOut">
               <a:rPr lang="zh-CN" altLang="en-US" smtClean="0"/>
-              <a:t>2022/9/22</a:t>
+              <a:t>2023/3/13</a:t>
             </a:fld>
             <a:endParaRPr lang="zh-CN" altLang="en-US"/>
           </a:p>
@@ -2094,7 +2118,7 @@
           <a:p>
             <a:fld id="{8EF70FED-C9BA-4950-B4EA-3907F5FAD0FB}" type="datetimeFigureOut">
               <a:rPr lang="zh-CN" altLang="en-US" smtClean="0"/>
-              <a:t>2022/9/22</a:t>
+              <a:t>2023/3/13</a:t>
             </a:fld>
             <a:endParaRPr lang="zh-CN" altLang="en-US"/>
           </a:p>
@@ -2292,7 +2316,7 @@
           <a:p>
             <a:fld id="{8EF70FED-C9BA-4950-B4EA-3907F5FAD0FB}" type="datetimeFigureOut">
               <a:rPr lang="zh-CN" altLang="en-US" smtClean="0"/>
-              <a:t>2022/9/22</a:t>
+              <a:t>2023/3/13</a:t>
             </a:fld>
             <a:endParaRPr lang="zh-CN" altLang="en-US"/>
           </a:p>
@@ -2567,7 +2591,7 @@
           <a:p>
             <a:fld id="{8EF70FED-C9BA-4950-B4EA-3907F5FAD0FB}" type="datetimeFigureOut">
               <a:rPr lang="zh-CN" altLang="en-US" smtClean="0"/>
-              <a:t>2022/9/22</a:t>
+              <a:t>2023/3/13</a:t>
             </a:fld>
             <a:endParaRPr lang="zh-CN" altLang="en-US"/>
           </a:p>
@@ -2832,7 +2856,7 @@
           <a:p>
             <a:fld id="{8EF70FED-C9BA-4950-B4EA-3907F5FAD0FB}" type="datetimeFigureOut">
               <a:rPr lang="zh-CN" altLang="en-US" smtClean="0"/>
-              <a:t>2022/9/22</a:t>
+              <a:t>2023/3/13</a:t>
             </a:fld>
             <a:endParaRPr lang="zh-CN" altLang="en-US"/>
           </a:p>
@@ -3244,7 +3268,7 @@
           <a:p>
             <a:fld id="{8EF70FED-C9BA-4950-B4EA-3907F5FAD0FB}" type="datetimeFigureOut">
               <a:rPr lang="zh-CN" altLang="en-US" smtClean="0"/>
-              <a:t>2022/9/22</a:t>
+              <a:t>2023/3/13</a:t>
             </a:fld>
             <a:endParaRPr lang="zh-CN" altLang="en-US"/>
           </a:p>
@@ -3385,7 +3409,7 @@
           <a:p>
             <a:fld id="{8EF70FED-C9BA-4950-B4EA-3907F5FAD0FB}" type="datetimeFigureOut">
               <a:rPr lang="zh-CN" altLang="en-US" smtClean="0"/>
-              <a:t>2022/9/22</a:t>
+              <a:t>2023/3/13</a:t>
             </a:fld>
             <a:endParaRPr lang="zh-CN" altLang="en-US"/>
           </a:p>
@@ -3498,7 +3522,7 @@
           <a:p>
             <a:fld id="{8EF70FED-C9BA-4950-B4EA-3907F5FAD0FB}" type="datetimeFigureOut">
               <a:rPr lang="zh-CN" altLang="en-US" smtClean="0"/>
-              <a:t>2022/9/22</a:t>
+              <a:t>2023/3/13</a:t>
             </a:fld>
             <a:endParaRPr lang="zh-CN" altLang="en-US"/>
           </a:p>
@@ -3809,7 +3833,7 @@
           <a:p>
             <a:fld id="{8EF70FED-C9BA-4950-B4EA-3907F5FAD0FB}" type="datetimeFigureOut">
               <a:rPr lang="zh-CN" altLang="en-US" smtClean="0"/>
-              <a:t>2022/9/22</a:t>
+              <a:t>2023/3/13</a:t>
             </a:fld>
             <a:endParaRPr lang="zh-CN" altLang="en-US"/>
           </a:p>
@@ -4097,7 +4121,7 @@
           <a:p>
             <a:fld id="{8EF70FED-C9BA-4950-B4EA-3907F5FAD0FB}" type="datetimeFigureOut">
               <a:rPr lang="zh-CN" altLang="en-US" smtClean="0"/>
-              <a:t>2022/9/22</a:t>
+              <a:t>2023/3/13</a:t>
             </a:fld>
             <a:endParaRPr lang="zh-CN" altLang="en-US"/>
           </a:p>
@@ -4338,7 +4362,7 @@
           <a:p>
             <a:fld id="{8EF70FED-C9BA-4950-B4EA-3907F5FAD0FB}" type="datetimeFigureOut">
               <a:rPr lang="zh-CN" altLang="en-US" smtClean="0"/>
-              <a:t>2022/9/22</a:t>
+              <a:t>2023/3/13</a:t>
             </a:fld>
             <a:endParaRPr lang="zh-CN" altLang="en-US"/>
           </a:p>
@@ -7974,6 +7998,48 @@
           </a:p>
         </p:txBody>
       </p:sp>
+      <p:cxnSp>
+        <p:nvCxnSpPr>
+          <p:cNvPr id="6" name="连接符: 肘形 5">
+            <a:extLst>
+              <a:ext uri="{FF2B5EF4-FFF2-40B4-BE49-F238E27FC236}">
+                <a16:creationId xmlns:a16="http://schemas.microsoft.com/office/drawing/2014/main" id="{8548A228-8DC9-62EC-11EE-4CD1E3342AAA}"/>
+              </a:ext>
+            </a:extLst>
+          </p:cNvPr>
+          <p:cNvCxnSpPr>
+            <a:stCxn id="92" idx="2"/>
+            <a:endCxn id="93" idx="0"/>
+          </p:cNvCxnSpPr>
+          <p:nvPr/>
+        </p:nvCxnSpPr>
+        <p:spPr>
+          <a:xfrm rot="16200000" flipH="1">
+            <a:off x="2403070" y="1983469"/>
+            <a:ext cx="343382" cy="1489282"/>
+          </a:xfrm>
+          <a:prstGeom prst="bentConnector3">
+            <a:avLst/>
+          </a:prstGeom>
+          <a:ln>
+            <a:tailEnd type="triangle"/>
+          </a:ln>
+        </p:spPr>
+        <p:style>
+          <a:lnRef idx="1">
+            <a:schemeClr val="accent1"/>
+          </a:lnRef>
+          <a:fillRef idx="0">
+            <a:schemeClr val="accent1"/>
+          </a:fillRef>
+          <a:effectRef idx="0">
+            <a:schemeClr val="accent1"/>
+          </a:effectRef>
+          <a:fontRef idx="minor">
+            <a:schemeClr val="tx1"/>
+          </a:fontRef>
+        </p:style>
+      </p:cxnSp>
     </p:spTree>
     <p:extLst>
       <p:ext uri="{BB962C8B-B14F-4D97-AF65-F5344CB8AC3E}">
